--- a/Async in C#.pptx
+++ b/Async in C#.pptx
@@ -132,6 +132,9 @@
           </p15:clr>
         </p15:guide>
       </p15:sldGuideLst>
+    </p:ext>
+    <p:ext uri="{2D200454-40CA-4A62-9FC3-DE9A4176ACB9}">
+      <p15:notesGuideLst xmlns:p15="http://schemas.microsoft.com/office/powerpoint/2012/main"/>
     </p:ext>
   </p:extLst>
 </p:presentation>
@@ -1183,10 +1186,24 @@
     <dgm:pt modelId="{315F33C8-842C-4939-BC98-16AEC8272B0F}" type="pres">
       <dgm:prSet presAssocID="{86E28BF0-089E-4466-A4E3-47D70AF63924}" presName="sibTrans" presStyleLbl="sibTrans2D1" presStyleIdx="0" presStyleCnt="1"/>
       <dgm:spPr/>
+      <dgm:t>
+        <a:bodyPr/>
+        <a:lstStyle/>
+        <a:p>
+          <a:endParaRPr lang="de-DE"/>
+        </a:p>
+      </dgm:t>
     </dgm:pt>
     <dgm:pt modelId="{9B5B958F-DD4F-42D5-AF3A-7147D631CF79}" type="pres">
       <dgm:prSet presAssocID="{86E28BF0-089E-4466-A4E3-47D70AF63924}" presName="connectorText" presStyleLbl="sibTrans2D1" presStyleIdx="0" presStyleCnt="1"/>
       <dgm:spPr/>
+      <dgm:t>
+        <a:bodyPr/>
+        <a:lstStyle/>
+        <a:p>
+          <a:endParaRPr lang="de-DE"/>
+        </a:p>
+      </dgm:t>
     </dgm:pt>
     <dgm:pt modelId="{CC7B48B3-3409-40B5-80AE-779E33897FB5}" type="pres">
       <dgm:prSet presAssocID="{C2E2B7C6-498F-4381-B9E7-A671583438A4}" presName="node" presStyleLbl="node1" presStyleIdx="1" presStyleCnt="2">
@@ -1195,24 +1212,31 @@
         </dgm:presLayoutVars>
       </dgm:prSet>
       <dgm:spPr/>
+      <dgm:t>
+        <a:bodyPr/>
+        <a:lstStyle/>
+        <a:p>
+          <a:endParaRPr lang="de-DE"/>
+        </a:p>
+      </dgm:t>
     </dgm:pt>
   </dgm:ptLst>
   <dgm:cxnLst>
+    <dgm:cxn modelId="{6924C510-1BF5-43D6-99DC-22C1D047341A}" srcId="{A538580E-4A15-490C-8F03-89D26231E033}" destId="{C2E2B7C6-498F-4381-B9E7-A671583438A4}" srcOrd="1" destOrd="0" parTransId="{FAA10254-FC46-4CD6-A8C9-0778874AB758}" sibTransId="{1BF268AE-6FD8-4FDF-9515-9810F29F8FCC}"/>
+    <dgm:cxn modelId="{35A173BD-6A3C-4D40-A952-BA670DD98E2F}" type="presOf" srcId="{B558EE70-25C6-4E67-96E4-C88BFEC5EDC8}" destId="{EAD6FE3C-D677-452B-A4A6-4B8156574A28}" srcOrd="0" destOrd="1" presId="urn:microsoft.com/office/officeart/2005/8/layout/process1"/>
+    <dgm:cxn modelId="{A9B2B713-5C9E-4F80-9596-3F004BADADE6}" type="presOf" srcId="{8768646A-B40A-4071-8BAF-10F56011093D}" destId="{EAD6FE3C-D677-452B-A4A6-4B8156574A28}" srcOrd="0" destOrd="2" presId="urn:microsoft.com/office/officeart/2005/8/layout/process1"/>
+    <dgm:cxn modelId="{0F7DBEE1-FDF9-4AF0-943A-FEABF35A1ACD}" srcId="{C2E2B7C6-498F-4381-B9E7-A671583438A4}" destId="{684F2F7F-24BE-4248-A939-A0629DE839AA}" srcOrd="1" destOrd="0" parTransId="{B5C7B37D-5CFA-4FB3-B341-AD6E8AB039F0}" sibTransId="{85766799-415B-49E1-BE57-063A95805B15}"/>
+    <dgm:cxn modelId="{4B5DE9F4-EFF9-4320-84B4-787358F0553D}" srcId="{C2E2B7C6-498F-4381-B9E7-A671583438A4}" destId="{BDDF0A71-DD76-437E-B5DA-B8ECE6763EBE}" srcOrd="0" destOrd="0" parTransId="{22CC0462-1FB0-4B7A-B28D-90538DF2555A}" sibTransId="{D5719267-944B-40DB-9545-C2E47AF20B53}"/>
+    <dgm:cxn modelId="{A9C0BABA-53FE-48BE-B0FC-0455E5F74647}" srcId="{1DA701AA-0241-4F3E-86CE-54B18C48AF2F}" destId="{B558EE70-25C6-4E67-96E4-C88BFEC5EDC8}" srcOrd="0" destOrd="0" parTransId="{1AB1996C-B6C1-446A-B64E-94DD1457DF70}" sibTransId="{4EC9404B-7AAC-4995-AA27-B042270819DE}"/>
+    <dgm:cxn modelId="{632B7E52-D9BC-47D5-8773-C24F3E5BD033}" srcId="{1DA701AA-0241-4F3E-86CE-54B18C48AF2F}" destId="{8768646A-B40A-4071-8BAF-10F56011093D}" srcOrd="1" destOrd="0" parTransId="{5649E347-6B33-481F-A67A-74A88AC27EEA}" sibTransId="{0ABE85DF-E467-4077-BA91-4566099436AD}"/>
+    <dgm:cxn modelId="{954C9122-1498-4790-9822-3A35E4C73203}" type="presOf" srcId="{C2E2B7C6-498F-4381-B9E7-A671583438A4}" destId="{CC7B48B3-3409-40B5-80AE-779E33897FB5}" srcOrd="0" destOrd="0" presId="urn:microsoft.com/office/officeart/2005/8/layout/process1"/>
+    <dgm:cxn modelId="{57187FA5-1C3A-40E7-A62F-1BBCADBE22F5}" type="presOf" srcId="{86E28BF0-089E-4466-A4E3-47D70AF63924}" destId="{315F33C8-842C-4939-BC98-16AEC8272B0F}" srcOrd="0" destOrd="0" presId="urn:microsoft.com/office/officeart/2005/8/layout/process1"/>
+    <dgm:cxn modelId="{69AEA40E-5F5F-4D38-BE88-2B4BC0C05359}" srcId="{A538580E-4A15-490C-8F03-89D26231E033}" destId="{1DA701AA-0241-4F3E-86CE-54B18C48AF2F}" srcOrd="0" destOrd="0" parTransId="{C61FA1D5-6F46-4BEE-9AEF-DFC052CEE900}" sibTransId="{86E28BF0-089E-4466-A4E3-47D70AF63924}"/>
     <dgm:cxn modelId="{512D3C7E-E61F-49D0-86AC-61215770890C}" type="presOf" srcId="{86E28BF0-089E-4466-A4E3-47D70AF63924}" destId="{9B5B958F-DD4F-42D5-AF3A-7147D631CF79}" srcOrd="1" destOrd="0" presId="urn:microsoft.com/office/officeart/2005/8/layout/process1"/>
-    <dgm:cxn modelId="{954C9122-1498-4790-9822-3A35E4C73203}" type="presOf" srcId="{C2E2B7C6-498F-4381-B9E7-A671583438A4}" destId="{CC7B48B3-3409-40B5-80AE-779E33897FB5}" srcOrd="0" destOrd="0" presId="urn:microsoft.com/office/officeart/2005/8/layout/process1"/>
-    <dgm:cxn modelId="{632B7E52-D9BC-47D5-8773-C24F3E5BD033}" srcId="{1DA701AA-0241-4F3E-86CE-54B18C48AF2F}" destId="{8768646A-B40A-4071-8BAF-10F56011093D}" srcOrd="1" destOrd="0" parTransId="{5649E347-6B33-481F-A67A-74A88AC27EEA}" sibTransId="{0ABE85DF-E467-4077-BA91-4566099436AD}"/>
-    <dgm:cxn modelId="{0F7DBEE1-FDF9-4AF0-943A-FEABF35A1ACD}" srcId="{C2E2B7C6-498F-4381-B9E7-A671583438A4}" destId="{684F2F7F-24BE-4248-A939-A0629DE839AA}" srcOrd="1" destOrd="0" parTransId="{B5C7B37D-5CFA-4FB3-B341-AD6E8AB039F0}" sibTransId="{85766799-415B-49E1-BE57-063A95805B15}"/>
     <dgm:cxn modelId="{54A2FDA6-F422-4BB6-8B1D-956A3C9022CA}" type="presOf" srcId="{BDDF0A71-DD76-437E-B5DA-B8ECE6763EBE}" destId="{CC7B48B3-3409-40B5-80AE-779E33897FB5}" srcOrd="0" destOrd="1" presId="urn:microsoft.com/office/officeart/2005/8/layout/process1"/>
     <dgm:cxn modelId="{C0DE07D0-DE8C-4D71-8535-93C612DBA097}" type="presOf" srcId="{684F2F7F-24BE-4248-A939-A0629DE839AA}" destId="{CC7B48B3-3409-40B5-80AE-779E33897FB5}" srcOrd="0" destOrd="2" presId="urn:microsoft.com/office/officeart/2005/8/layout/process1"/>
-    <dgm:cxn modelId="{57187FA5-1C3A-40E7-A62F-1BBCADBE22F5}" type="presOf" srcId="{86E28BF0-089E-4466-A4E3-47D70AF63924}" destId="{315F33C8-842C-4939-BC98-16AEC8272B0F}" srcOrd="0" destOrd="0" presId="urn:microsoft.com/office/officeart/2005/8/layout/process1"/>
-    <dgm:cxn modelId="{69AEA40E-5F5F-4D38-BE88-2B4BC0C05359}" srcId="{A538580E-4A15-490C-8F03-89D26231E033}" destId="{1DA701AA-0241-4F3E-86CE-54B18C48AF2F}" srcOrd="0" destOrd="0" parTransId="{C61FA1D5-6F46-4BEE-9AEF-DFC052CEE900}" sibTransId="{86E28BF0-089E-4466-A4E3-47D70AF63924}"/>
     <dgm:cxn modelId="{DEA425E1-4D0C-4329-8F8F-56D595A0A7DD}" type="presOf" srcId="{A538580E-4A15-490C-8F03-89D26231E033}" destId="{4F4FEE7F-3F7A-4F15-92AC-289DC1B9A8D1}" srcOrd="0" destOrd="0" presId="urn:microsoft.com/office/officeart/2005/8/layout/process1"/>
-    <dgm:cxn modelId="{35A173BD-6A3C-4D40-A952-BA670DD98E2F}" type="presOf" srcId="{B558EE70-25C6-4E67-96E4-C88BFEC5EDC8}" destId="{EAD6FE3C-D677-452B-A4A6-4B8156574A28}" srcOrd="0" destOrd="1" presId="urn:microsoft.com/office/officeart/2005/8/layout/process1"/>
-    <dgm:cxn modelId="{4B5DE9F4-EFF9-4320-84B4-787358F0553D}" srcId="{C2E2B7C6-498F-4381-B9E7-A671583438A4}" destId="{BDDF0A71-DD76-437E-B5DA-B8ECE6763EBE}" srcOrd="0" destOrd="0" parTransId="{22CC0462-1FB0-4B7A-B28D-90538DF2555A}" sibTransId="{D5719267-944B-40DB-9545-C2E47AF20B53}"/>
     <dgm:cxn modelId="{41A7901B-F191-4E23-B22D-A7B590900CB9}" type="presOf" srcId="{1DA701AA-0241-4F3E-86CE-54B18C48AF2F}" destId="{EAD6FE3C-D677-452B-A4A6-4B8156574A28}" srcOrd="0" destOrd="0" presId="urn:microsoft.com/office/officeart/2005/8/layout/process1"/>
-    <dgm:cxn modelId="{6924C510-1BF5-43D6-99DC-22C1D047341A}" srcId="{A538580E-4A15-490C-8F03-89D26231E033}" destId="{C2E2B7C6-498F-4381-B9E7-A671583438A4}" srcOrd="1" destOrd="0" parTransId="{FAA10254-FC46-4CD6-A8C9-0778874AB758}" sibTransId="{1BF268AE-6FD8-4FDF-9515-9810F29F8FCC}"/>
-    <dgm:cxn modelId="{A9B2B713-5C9E-4F80-9596-3F004BADADE6}" type="presOf" srcId="{8768646A-B40A-4071-8BAF-10F56011093D}" destId="{EAD6FE3C-D677-452B-A4A6-4B8156574A28}" srcOrd="0" destOrd="2" presId="urn:microsoft.com/office/officeart/2005/8/layout/process1"/>
-    <dgm:cxn modelId="{A9C0BABA-53FE-48BE-B0FC-0455E5F74647}" srcId="{1DA701AA-0241-4F3E-86CE-54B18C48AF2F}" destId="{B558EE70-25C6-4E67-96E4-C88BFEC5EDC8}" srcOrd="0" destOrd="0" parTransId="{1AB1996C-B6C1-446A-B64E-94DD1457DF70}" sibTransId="{4EC9404B-7AAC-4995-AA27-B042270819DE}"/>
     <dgm:cxn modelId="{37F5F3AF-23F3-4411-9C39-FEE5034F4AE8}" type="presParOf" srcId="{4F4FEE7F-3F7A-4F15-92AC-289DC1B9A8D1}" destId="{EAD6FE3C-D677-452B-A4A6-4B8156574A28}" srcOrd="0" destOrd="0" presId="urn:microsoft.com/office/officeart/2005/8/layout/process1"/>
     <dgm:cxn modelId="{F20E44DF-FA09-4FB2-B67B-F598D3FA9845}" type="presParOf" srcId="{4F4FEE7F-3F7A-4F15-92AC-289DC1B9A8D1}" destId="{315F33C8-842C-4939-BC98-16AEC8272B0F}" srcOrd="1" destOrd="0" presId="urn:microsoft.com/office/officeart/2005/8/layout/process1"/>
     <dgm:cxn modelId="{102BBD87-2A83-485C-B014-DC6802F4C253}" type="presParOf" srcId="{315F33C8-842C-4939-BC98-16AEC8272B0F}" destId="{9B5B958F-DD4F-42D5-AF3A-7147D631CF79}" srcOrd="0" destOrd="0" presId="urn:microsoft.com/office/officeart/2005/8/layout/process1"/>
@@ -1236,318 +1260,6 @@
       <dsp:cNvGrpSpPr/>
     </dsp:nvGrpSpPr>
     <dsp:grpSpPr/>
-    <dsp:sp modelId="{EAD6FE3C-D677-452B-A4A6-4B8156574A28}">
-      <dsp:nvSpPr>
-        <dsp:cNvPr id="0" name=""/>
-        <dsp:cNvSpPr/>
-      </dsp:nvSpPr>
-      <dsp:spPr>
-        <a:xfrm>
-          <a:off x="1190" y="0"/>
-          <a:ext cx="2539007" cy="1302657"/>
-        </a:xfrm>
-        <a:prstGeom prst="roundRect">
-          <a:avLst>
-            <a:gd name="adj" fmla="val 10000"/>
-          </a:avLst>
-        </a:prstGeom>
-        <a:solidFill>
-          <a:schemeClr val="accent5">
-            <a:hueOff val="0"/>
-            <a:satOff val="0"/>
-            <a:lumOff val="0"/>
-            <a:alphaOff val="0"/>
-          </a:schemeClr>
-        </a:solidFill>
-        <a:ln w="12700" cap="flat" cmpd="sng" algn="ctr">
-          <a:solidFill>
-            <a:schemeClr val="lt1">
-              <a:hueOff val="0"/>
-              <a:satOff val="0"/>
-              <a:lumOff val="0"/>
-              <a:alphaOff val="0"/>
-            </a:schemeClr>
-          </a:solidFill>
-          <a:prstDash val="solid"/>
-          <a:miter lim="800000"/>
-        </a:ln>
-        <a:effectLst/>
-      </dsp:spPr>
-      <dsp:style>
-        <a:lnRef idx="2">
-          <a:scrgbClr r="0" g="0" b="0"/>
-        </a:lnRef>
-        <a:fillRef idx="1">
-          <a:scrgbClr r="0" g="0" b="0"/>
-        </a:fillRef>
-        <a:effectRef idx="0">
-          <a:scrgbClr r="0" g="0" b="0"/>
-        </a:effectRef>
-        <a:fontRef idx="minor">
-          <a:schemeClr val="lt1"/>
-        </a:fontRef>
-      </dsp:style>
-      <dsp:txBody>
-        <a:bodyPr spcFirstLastPara="0" vert="horz" wrap="square" lIns="91440" tIns="91440" rIns="91440" bIns="91440" numCol="1" spcCol="1270" anchor="t" anchorCtr="0">
-          <a:noAutofit/>
-        </a:bodyPr>
-        <a:lstStyle/>
-        <a:p>
-          <a:pPr lvl="0" algn="l" defTabSz="1066800">
-            <a:lnSpc>
-              <a:spcPct val="90000"/>
-            </a:lnSpc>
-            <a:spcBef>
-              <a:spcPct val="0"/>
-            </a:spcBef>
-            <a:spcAft>
-              <a:spcPct val="35000"/>
-            </a:spcAft>
-          </a:pPr>
-          <a:r>
-            <a:rPr lang="de-DE" sz="2400" kern="1200" dirty="0" err="1" smtClean="0"/>
-            <a:t>Blocking</a:t>
-          </a:r>
-          <a:endParaRPr lang="de-DE" sz="2400" kern="1200" dirty="0"/>
-        </a:p>
-        <a:p>
-          <a:pPr marL="171450" lvl="1" indent="-171450" algn="l" defTabSz="844550">
-            <a:lnSpc>
-              <a:spcPct val="90000"/>
-            </a:lnSpc>
-            <a:spcBef>
-              <a:spcPct val="0"/>
-            </a:spcBef>
-            <a:spcAft>
-              <a:spcPct val="15000"/>
-            </a:spcAft>
-            <a:buChar char="••"/>
-          </a:pPr>
-          <a:r>
-            <a:rPr lang="de-DE" sz="1900" kern="1200" dirty="0" err="1" smtClean="0"/>
-            <a:t>Suspending</a:t>
-          </a:r>
-          <a:endParaRPr lang="de-DE" sz="1900" kern="1200" dirty="0"/>
-        </a:p>
-        <a:p>
-          <a:pPr marL="171450" lvl="1" indent="-171450" algn="l" defTabSz="844550">
-            <a:lnSpc>
-              <a:spcPct val="90000"/>
-            </a:lnSpc>
-            <a:spcBef>
-              <a:spcPct val="0"/>
-            </a:spcBef>
-            <a:spcAft>
-              <a:spcPct val="15000"/>
-            </a:spcAft>
-            <a:buChar char="••"/>
-          </a:pPr>
-          <a:r>
-            <a:rPr lang="de-DE" sz="1900" kern="1200" dirty="0" smtClean="0"/>
-            <a:t>S3 </a:t>
-          </a:r>
-          <a:r>
-            <a:rPr lang="de-DE" sz="1900" kern="1200" dirty="0" err="1" smtClean="0"/>
-            <a:t>sleep</a:t>
-          </a:r>
-          <a:endParaRPr lang="de-DE" sz="1900" kern="1200" dirty="0"/>
-        </a:p>
-      </dsp:txBody>
-      <dsp:txXfrm>
-        <a:off x="39344" y="38154"/>
-        <a:ext cx="2462699" cy="1226349"/>
-      </dsp:txXfrm>
-    </dsp:sp>
-    <dsp:sp modelId="{315F33C8-842C-4939-BC98-16AEC8272B0F}">
-      <dsp:nvSpPr>
-        <dsp:cNvPr id="0" name=""/>
-        <dsp:cNvSpPr/>
-      </dsp:nvSpPr>
-      <dsp:spPr>
-        <a:xfrm>
-          <a:off x="2794099" y="336491"/>
-          <a:ext cx="538269" cy="629673"/>
-        </a:xfrm>
-        <a:prstGeom prst="rightArrow">
-          <a:avLst>
-            <a:gd name="adj1" fmla="val 60000"/>
-            <a:gd name="adj2" fmla="val 50000"/>
-          </a:avLst>
-        </a:prstGeom>
-        <a:solidFill>
-          <a:schemeClr val="accent5">
-            <a:hueOff val="0"/>
-            <a:satOff val="0"/>
-            <a:lumOff val="0"/>
-            <a:alphaOff val="0"/>
-          </a:schemeClr>
-        </a:solidFill>
-        <a:ln>
-          <a:noFill/>
-        </a:ln>
-        <a:effectLst/>
-      </dsp:spPr>
-      <dsp:style>
-        <a:lnRef idx="0">
-          <a:scrgbClr r="0" g="0" b="0"/>
-        </a:lnRef>
-        <a:fillRef idx="1">
-          <a:scrgbClr r="0" g="0" b="0"/>
-        </a:fillRef>
-        <a:effectRef idx="0">
-          <a:scrgbClr r="0" g="0" b="0"/>
-        </a:effectRef>
-        <a:fontRef idx="minor">
-          <a:schemeClr val="lt1"/>
-        </a:fontRef>
-      </dsp:style>
-      <dsp:txBody>
-        <a:bodyPr spcFirstLastPara="0" vert="horz" wrap="square" lIns="0" tIns="0" rIns="0" bIns="0" numCol="1" spcCol="1270" anchor="ctr" anchorCtr="0">
-          <a:noAutofit/>
-        </a:bodyPr>
-        <a:lstStyle/>
-        <a:p>
-          <a:pPr lvl="0" algn="ctr" defTabSz="844550">
-            <a:lnSpc>
-              <a:spcPct val="90000"/>
-            </a:lnSpc>
-            <a:spcBef>
-              <a:spcPct val="0"/>
-            </a:spcBef>
-            <a:spcAft>
-              <a:spcPct val="35000"/>
-            </a:spcAft>
-          </a:pPr>
-          <a:endParaRPr lang="de-DE" sz="1900" kern="1200"/>
-        </a:p>
-      </dsp:txBody>
-      <dsp:txXfrm>
-        <a:off x="2794099" y="462426"/>
-        <a:ext cx="376788" cy="377803"/>
-      </dsp:txXfrm>
-    </dsp:sp>
-    <dsp:sp modelId="{CC7B48B3-3409-40B5-80AE-779E33897FB5}">
-      <dsp:nvSpPr>
-        <dsp:cNvPr id="0" name=""/>
-        <dsp:cNvSpPr/>
-      </dsp:nvSpPr>
-      <dsp:spPr>
-        <a:xfrm>
-          <a:off x="3555801" y="0"/>
-          <a:ext cx="2539007" cy="1302657"/>
-        </a:xfrm>
-        <a:prstGeom prst="roundRect">
-          <a:avLst>
-            <a:gd name="adj" fmla="val 10000"/>
-          </a:avLst>
-        </a:prstGeom>
-        <a:solidFill>
-          <a:schemeClr val="accent5">
-            <a:hueOff val="-7353344"/>
-            <a:satOff val="-10228"/>
-            <a:lumOff val="-3922"/>
-            <a:alphaOff val="0"/>
-          </a:schemeClr>
-        </a:solidFill>
-        <a:ln w="12700" cap="flat" cmpd="sng" algn="ctr">
-          <a:solidFill>
-            <a:schemeClr val="lt1">
-              <a:hueOff val="0"/>
-              <a:satOff val="0"/>
-              <a:lumOff val="0"/>
-              <a:alphaOff val="0"/>
-            </a:schemeClr>
-          </a:solidFill>
-          <a:prstDash val="solid"/>
-          <a:miter lim="800000"/>
-        </a:ln>
-        <a:effectLst/>
-      </dsp:spPr>
-      <dsp:style>
-        <a:lnRef idx="2">
-          <a:scrgbClr r="0" g="0" b="0"/>
-        </a:lnRef>
-        <a:fillRef idx="1">
-          <a:scrgbClr r="0" g="0" b="0"/>
-        </a:fillRef>
-        <a:effectRef idx="0">
-          <a:scrgbClr r="0" g="0" b="0"/>
-        </a:effectRef>
-        <a:fontRef idx="minor">
-          <a:schemeClr val="lt1"/>
-        </a:fontRef>
-      </dsp:style>
-      <dsp:txBody>
-        <a:bodyPr spcFirstLastPara="0" vert="horz" wrap="square" lIns="91440" tIns="91440" rIns="91440" bIns="91440" numCol="1" spcCol="1270" anchor="t" anchorCtr="0">
-          <a:noAutofit/>
-        </a:bodyPr>
-        <a:lstStyle/>
-        <a:p>
-          <a:pPr lvl="0" algn="l" defTabSz="1066800">
-            <a:lnSpc>
-              <a:spcPct val="90000"/>
-            </a:lnSpc>
-            <a:spcBef>
-              <a:spcPct val="0"/>
-            </a:spcBef>
-            <a:spcAft>
-              <a:spcPct val="35000"/>
-            </a:spcAft>
-          </a:pPr>
-          <a:r>
-            <a:rPr lang="de-DE" sz="2400" kern="1200" dirty="0" err="1" smtClean="0"/>
-            <a:t>Await</a:t>
-          </a:r>
-          <a:endParaRPr lang="de-DE" sz="2400" kern="1200" dirty="0"/>
-        </a:p>
-        <a:p>
-          <a:pPr marL="171450" lvl="1" indent="-171450" algn="l" defTabSz="844550">
-            <a:lnSpc>
-              <a:spcPct val="90000"/>
-            </a:lnSpc>
-            <a:spcBef>
-              <a:spcPct val="0"/>
-            </a:spcBef>
-            <a:spcAft>
-              <a:spcPct val="15000"/>
-            </a:spcAft>
-            <a:buChar char="••"/>
-          </a:pPr>
-          <a:r>
-            <a:rPr lang="de-DE" sz="1900" kern="1200" dirty="0" err="1" smtClean="0"/>
-            <a:t>Hybernating</a:t>
-          </a:r>
-          <a:endParaRPr lang="de-DE" sz="1900" kern="1200" dirty="0"/>
-        </a:p>
-        <a:p>
-          <a:pPr marL="171450" lvl="1" indent="-171450" algn="l" defTabSz="844550">
-            <a:lnSpc>
-              <a:spcPct val="90000"/>
-            </a:lnSpc>
-            <a:spcBef>
-              <a:spcPct val="0"/>
-            </a:spcBef>
-            <a:spcAft>
-              <a:spcPct val="15000"/>
-            </a:spcAft>
-            <a:buChar char="••"/>
-          </a:pPr>
-          <a:r>
-            <a:rPr lang="de-DE" sz="1900" kern="1200" dirty="0" smtClean="0"/>
-            <a:t>S4 </a:t>
-          </a:r>
-          <a:r>
-            <a:rPr lang="de-DE" sz="1900" kern="1200" dirty="0" err="1" smtClean="0"/>
-            <a:t>hibernate</a:t>
-          </a:r>
-          <a:endParaRPr lang="de-DE" sz="1900" kern="1200" dirty="0"/>
-        </a:p>
-      </dsp:txBody>
-      <dsp:txXfrm>
-        <a:off x="3593955" y="38154"/>
-        <a:ext cx="2462699" cy="1226349"/>
-      </dsp:txXfrm>
-    </dsp:sp>
   </dsp:spTree>
 </dsp:drawing>
 </file>
@@ -3520,6 +3232,9 @@
   <p:clrMapOvr>
     <a:masterClrMapping/>
   </p:clrMapOvr>
+  <p:transition spd="slow">
+    <p:push dir="u"/>
+  </p:transition>
   <p:timing>
     <p:tnLst>
       <p:par>
@@ -3697,6 +3412,9 @@
   <p:clrMapOvr>
     <a:masterClrMapping/>
   </p:clrMapOvr>
+  <p:transition spd="slow">
+    <p:push dir="u"/>
+  </p:transition>
 </p:sldLayout>
 </file>
 
@@ -3877,6 +3595,9 @@
   <p:clrMapOvr>
     <a:masterClrMapping/>
   </p:clrMapOvr>
+  <p:transition spd="slow">
+    <p:push dir="u"/>
+  </p:transition>
 </p:sldLayout>
 </file>
 
@@ -4029,7 +3750,7 @@
           <a:bodyPr/>
           <a:lstStyle>
             <a:lvl1pPr>
-              <a:defRPr sz="900"/>
+              <a:defRPr sz="2400"/>
             </a:lvl1pPr>
           </a:lstStyle>
           <a:p>
@@ -4052,6 +3773,9 @@
   <p:clrMapOvr>
     <a:masterClrMapping/>
   </p:clrMapOvr>
+  <p:transition spd="slow">
+    <p:push dir="u"/>
+  </p:transition>
   <p:timing>
     <p:tnLst>
       <p:par>
@@ -4305,6 +4029,9 @@
   <p:clrMapOvr>
     <a:masterClrMapping/>
   </p:clrMapOvr>
+  <p:transition spd="slow">
+    <p:push dir="u"/>
+  </p:transition>
   <p:timing>
     <p:tnLst>
       <p:par>
@@ -4544,6 +4271,9 @@
   <p:clrMapOvr>
     <a:masterClrMapping/>
   </p:clrMapOvr>
+  <p:transition spd="slow">
+    <p:push dir="u"/>
+  </p:transition>
   <p:timing>
     <p:tnLst>
       <p:par>
@@ -4918,6 +4648,9 @@
   <p:clrMapOvr>
     <a:masterClrMapping/>
   </p:clrMapOvr>
+  <p:transition spd="slow">
+    <p:push dir="u"/>
+  </p:transition>
 </p:sldLayout>
 </file>
 
@@ -5036,6 +4769,9 @@
   <p:clrMapOvr>
     <a:masterClrMapping/>
   </p:clrMapOvr>
+  <p:transition spd="slow">
+    <p:push dir="u"/>
+  </p:transition>
 </p:sldLayout>
 </file>
 
@@ -5131,6 +4867,9 @@
   <p:clrMapOvr>
     <a:masterClrMapping/>
   </p:clrMapOvr>
+  <p:transition spd="slow">
+    <p:push dir="u"/>
+  </p:transition>
 </p:sldLayout>
 </file>
 
@@ -5408,6 +5147,9 @@
   <p:clrMapOvr>
     <a:masterClrMapping/>
   </p:clrMapOvr>
+  <p:transition spd="slow">
+    <p:push dir="u"/>
+  </p:transition>
 </p:sldLayout>
 </file>
 
@@ -5661,6 +5403,9 @@
   <p:clrMapOvr>
     <a:masterClrMapping/>
   </p:clrMapOvr>
+  <p:transition spd="slow">
+    <p:push dir="u"/>
+  </p:transition>
 </p:sldLayout>
 </file>
 
@@ -5922,6 +5667,9 @@
     <p:sldLayoutId id="2147483682" r:id="rId10"/>
     <p:sldLayoutId id="2147483683" r:id="rId11"/>
   </p:sldLayoutIdLst>
+  <p:transition spd="slow">
+    <p:push dir="u"/>
+  </p:transition>
   <p:timing>
     <p:tnLst>
       <p:par>
@@ -6909,6 +6657,9 @@
   <p:clrMapOvr>
     <a:masterClrMapping/>
   </p:clrMapOvr>
+  <p:transition spd="slow">
+    <p:push dir="u"/>
+  </p:transition>
   <p:timing>
     <p:tnLst>
       <p:par>
@@ -7175,6 +6926,9 @@
   <p:clrMapOvr>
     <a:masterClrMapping/>
   </p:clrMapOvr>
+  <p:transition spd="slow">
+    <p:push dir="u"/>
+  </p:transition>
   <p:timing>
     <p:tnLst>
       <p:par>
@@ -7620,6 +7374,9 @@
   <p:clrMapOvr>
     <a:masterClrMapping/>
   </p:clrMapOvr>
+  <p:transition spd="slow">
+    <p:push dir="u"/>
+  </p:transition>
   <p:timing>
     <p:tnLst>
       <p:par>
@@ -8005,6 +7762,9 @@
   <p:clrMapOvr>
     <a:masterClrMapping/>
   </p:clrMapOvr>
+  <p:transition spd="slow">
+    <p:push dir="u"/>
+  </p:transition>
   <p:timing>
     <p:tnLst>
       <p:par>
@@ -8054,6 +7814,92 @@
                                         <p:cTn id="7" dur="500"/>
                                         <p:tgtEl>
                                           <p:spTgt spid="6"/>
+                                        </p:tgtEl>
+                                      </p:cBhvr>
+                                    </p:animEffect>
+                                  </p:childTnLst>
+                                </p:cTn>
+                              </p:par>
+                              <p:par>
+                                <p:cTn id="8" presetID="10" presetClass="entr" presetSubtype="0" fill="hold" nodeType="withEffect">
+                                  <p:stCondLst>
+                                    <p:cond delay="0"/>
+                                  </p:stCondLst>
+                                  <p:childTnLst>
+                                    <p:set>
+                                      <p:cBhvr>
+                                        <p:cTn id="9" dur="1" fill="hold">
+                                          <p:stCondLst>
+                                            <p:cond delay="0"/>
+                                          </p:stCondLst>
+                                        </p:cTn>
+                                        <p:tgtEl>
+                                          <p:spTgt spid="3">
+                                            <p:txEl>
+                                              <p:pRg st="9" end="9"/>
+                                            </p:txEl>
+                                          </p:spTgt>
+                                        </p:tgtEl>
+                                        <p:attrNameLst>
+                                          <p:attrName>style.visibility</p:attrName>
+                                        </p:attrNameLst>
+                                      </p:cBhvr>
+                                      <p:to>
+                                        <p:strVal val="visible"/>
+                                      </p:to>
+                                    </p:set>
+                                    <p:animEffect transition="in" filter="fade">
+                                      <p:cBhvr>
+                                        <p:cTn id="10" dur="500"/>
+                                        <p:tgtEl>
+                                          <p:spTgt spid="3">
+                                            <p:txEl>
+                                              <p:pRg st="9" end="9"/>
+                                            </p:txEl>
+                                          </p:spTgt>
+                                        </p:tgtEl>
+                                      </p:cBhvr>
+                                    </p:animEffect>
+                                  </p:childTnLst>
+                                </p:cTn>
+                              </p:par>
+                              <p:par>
+                                <p:cTn id="11" presetID="10" presetClass="entr" presetSubtype="0" fill="hold" nodeType="withEffect">
+                                  <p:stCondLst>
+                                    <p:cond delay="0"/>
+                                  </p:stCondLst>
+                                  <p:childTnLst>
+                                    <p:set>
+                                      <p:cBhvr>
+                                        <p:cTn id="12" dur="1" fill="hold">
+                                          <p:stCondLst>
+                                            <p:cond delay="0"/>
+                                          </p:stCondLst>
+                                        </p:cTn>
+                                        <p:tgtEl>
+                                          <p:spTgt spid="3">
+                                            <p:txEl>
+                                              <p:pRg st="10" end="10"/>
+                                            </p:txEl>
+                                          </p:spTgt>
+                                        </p:tgtEl>
+                                        <p:attrNameLst>
+                                          <p:attrName>style.visibility</p:attrName>
+                                        </p:attrNameLst>
+                                      </p:cBhvr>
+                                      <p:to>
+                                        <p:strVal val="visible"/>
+                                      </p:to>
+                                    </p:set>
+                                    <p:animEffect transition="in" filter="fade">
+                                      <p:cBhvr>
+                                        <p:cTn id="13" dur="500"/>
+                                        <p:tgtEl>
+                                          <p:spTgt spid="3">
+                                            <p:txEl>
+                                              <p:pRg st="10" end="10"/>
+                                            </p:txEl>
+                                          </p:spTgt>
                                         </p:tgtEl>
                                       </p:cBhvr>
                                     </p:animEffect>
@@ -8402,6 +8248,9 @@
   <p:clrMapOvr>
     <a:masterClrMapping/>
   </p:clrMapOvr>
+  <p:transition spd="slow">
+    <p:push dir="u"/>
+  </p:transition>
   <p:timing>
     <p:tnLst>
       <p:par>
@@ -8521,7 +8370,7 @@
             </a:pPr>
             <a:r>
               <a:rPr lang="de-DE" dirty="0" smtClean="0"/>
-              <a:t>Friseur-Saloon mit einem Friseur</a:t>
+              <a:t>Friseur-Salon mit einem Friseur</a:t>
             </a:r>
           </a:p>
           <a:p>
@@ -8607,6 +8456,9 @@
   <p:clrMapOvr>
     <a:masterClrMapping/>
   </p:clrMapOvr>
+  <p:transition spd="slow">
+    <p:push dir="u"/>
+  </p:transition>
   <p:timing>
     <p:tnLst>
       <p:par>
@@ -8770,6 +8622,9 @@
   <p:clrMapOvr>
     <a:masterClrMapping/>
   </p:clrMapOvr>
+  <p:transition spd="slow">
+    <p:push dir="u"/>
+  </p:transition>
   <p:timing>
     <p:tnLst>
       <p:par>
@@ -9062,6 +8917,9 @@
   <p:clrMapOvr>
     <a:masterClrMapping/>
   </p:clrMapOvr>
+  <p:transition spd="slow">
+    <p:push dir="u"/>
+  </p:transition>
   <p:timing>
     <p:tnLst>
       <p:par>
@@ -9265,6 +9123,9 @@
   <p:clrMapOvr>
     <a:masterClrMapping/>
   </p:clrMapOvr>
+  <p:transition spd="slow">
+    <p:push dir="u"/>
+  </p:transition>
   <p:timing>
     <p:tnLst>
       <p:par>
